--- a/pres/02/02-99.pptx
+++ b/pres/02/02-99.pptx
@@ -199,7 +199,7 @@
           <a:p>
             <a:fld id="{1679F76A-16EF-4D92-B27C-525C43572A77}" type="datetimeFigureOut">
               <a:rPr lang="en-US" smtClean="0"/>
-              <a:t>3/19/2022</a:t>
+              <a:t>3/23/2022</a:t>
             </a:fld>
             <a:endParaRPr lang="en-US"/>
           </a:p>
@@ -613,7 +613,7 @@
           <a:p>
             <a:fld id="{238E7D5D-B256-4DDC-9ED6-3A41F08CF50E}" type="datetimeFigureOut">
               <a:rPr lang="en-US" smtClean="0"/>
-              <a:t>3/19/2022</a:t>
+              <a:t>3/23/2022</a:t>
             </a:fld>
             <a:endParaRPr lang="en-US"/>
           </a:p>
@@ -811,7 +811,7 @@
           <a:p>
             <a:fld id="{238E7D5D-B256-4DDC-9ED6-3A41F08CF50E}" type="datetimeFigureOut">
               <a:rPr lang="en-US" smtClean="0"/>
-              <a:t>3/19/2022</a:t>
+              <a:t>3/23/2022</a:t>
             </a:fld>
             <a:endParaRPr lang="en-US"/>
           </a:p>
@@ -1019,7 +1019,7 @@
           <a:p>
             <a:fld id="{238E7D5D-B256-4DDC-9ED6-3A41F08CF50E}" type="datetimeFigureOut">
               <a:rPr lang="en-US" smtClean="0"/>
-              <a:t>3/19/2022</a:t>
+              <a:t>3/23/2022</a:t>
             </a:fld>
             <a:endParaRPr lang="en-US"/>
           </a:p>
@@ -5774,7 +5774,7 @@
           <a:p>
             <a:fld id="{238E7D5D-B256-4DDC-9ED6-3A41F08CF50E}" type="datetimeFigureOut">
               <a:rPr lang="en-US" smtClean="0"/>
-              <a:t>3/19/2022</a:t>
+              <a:t>3/23/2022</a:t>
             </a:fld>
             <a:endParaRPr lang="en-US"/>
           </a:p>
@@ -10079,7 +10079,7 @@
           <a:p>
             <a:fld id="{238E7D5D-B256-4DDC-9ED6-3A41F08CF50E}" type="datetimeFigureOut">
               <a:rPr lang="en-US" smtClean="0"/>
-              <a:t>3/19/2022</a:t>
+              <a:t>3/23/2022</a:t>
             </a:fld>
             <a:endParaRPr lang="en-US"/>
           </a:p>
@@ -17314,7 +17314,7 @@
           <a:p>
             <a:fld id="{238E7D5D-B256-4DDC-9ED6-3A41F08CF50E}" type="datetimeFigureOut">
               <a:rPr lang="en-US" smtClean="0"/>
-              <a:t>3/19/2022</a:t>
+              <a:t>3/23/2022</a:t>
             </a:fld>
             <a:endParaRPr lang="en-US"/>
           </a:p>
@@ -21359,7 +21359,7 @@
           <a:p>
             <a:fld id="{238E7D5D-B256-4DDC-9ED6-3A41F08CF50E}" type="datetimeFigureOut">
               <a:rPr lang="en-US" smtClean="0"/>
-              <a:t>3/19/2022</a:t>
+              <a:t>3/23/2022</a:t>
             </a:fld>
             <a:endParaRPr lang="en-US"/>
           </a:p>
@@ -29600,7 +29600,7 @@
           <a:p>
             <a:fld id="{238E7D5D-B256-4DDC-9ED6-3A41F08CF50E}" type="datetimeFigureOut">
               <a:rPr lang="en-US" smtClean="0"/>
-              <a:t>3/19/2022</a:t>
+              <a:t>3/23/2022</a:t>
             </a:fld>
             <a:endParaRPr lang="en-US"/>
           </a:p>
@@ -34315,7 +34315,7 @@
           <a:p>
             <a:fld id="{238E7D5D-B256-4DDC-9ED6-3A41F08CF50E}" type="datetimeFigureOut">
               <a:rPr lang="en-US" smtClean="0"/>
-              <a:t>3/19/2022</a:t>
+              <a:t>3/23/2022</a:t>
             </a:fld>
             <a:endParaRPr lang="en-US"/>
           </a:p>
@@ -36122,7 +36122,7 @@
           <a:p>
             <a:fld id="{238E7D5D-B256-4DDC-9ED6-3A41F08CF50E}" type="datetimeFigureOut">
               <a:rPr lang="en-US" smtClean="0"/>
-              <a:t>3/19/2022</a:t>
+              <a:t>3/23/2022</a:t>
             </a:fld>
             <a:endParaRPr lang="en-US"/>
           </a:p>
@@ -36410,7 +36410,7 @@
           <a:p>
             <a:fld id="{238E7D5D-B256-4DDC-9ED6-3A41F08CF50E}" type="datetimeFigureOut">
               <a:rPr lang="en-US" smtClean="0"/>
-              <a:t>3/19/2022</a:t>
+              <a:t>3/23/2022</a:t>
             </a:fld>
             <a:endParaRPr lang="en-US"/>
           </a:p>
@@ -36651,7 +36651,7 @@
           <a:p>
             <a:fld id="{238E7D5D-B256-4DDC-9ED6-3A41F08CF50E}" type="datetimeFigureOut">
               <a:rPr lang="en-US" smtClean="0"/>
-              <a:t>3/19/2022</a:t>
+              <a:t>3/23/2022</a:t>
             </a:fld>
             <a:endParaRPr lang="en-US"/>
           </a:p>
@@ -38229,7 +38229,7 @@
         </p:nvSpPr>
         <p:spPr>
           <a:xfrm>
-            <a:off x="4486275" y="2081022"/>
+            <a:off x="4473023" y="2571350"/>
             <a:ext cx="6461760" cy="3076956"/>
           </a:xfrm>
           <a:prstGeom prst="rect">
@@ -38465,7 +38465,7 @@
               </a:spcBef>
             </a:pPr>
             <a:r>
-              <a:rPr lang="en-US" sz="2400" dirty="0">
+              <a:rPr lang="en-US" sz="2800" dirty="0">
                 <a:solidFill>
                   <a:srgbClr val="FFFFFF"/>
                 </a:solidFill>
@@ -38487,7 +38487,7 @@
                 </a:solidFill>
                 <a:latin typeface="PS TT Commons Light"/>
               </a:rPr>
-              <a:t>Functional Programming</a:t>
+              <a:t>Functions</a:t>
             </a:r>
           </a:p>
         </p:txBody>
